--- a/Livrable1/Présentationpfr finalv2.pptx
+++ b/Livrable1/Présentationpfr finalv2.pptx
@@ -4759,7 +4759,7 @@
           <a:p>
             <a:fld id="{BF1E4C38-38C3-4C47-B9B7-EF45359A68DE}" type="datetimeFigureOut">
               <a:rPr lang="fr-FR" smtClean="0"/>
-              <a:t>10/04/2019</a:t>
+              <a:t>11/04/2019</a:t>
             </a:fld>
             <a:endParaRPr lang="fr-FR"/>
           </a:p>
@@ -5070,6 +5070,24 @@
           <a:bodyPr/>
           <a:lstStyle/>
           <a:p>
+            <a:r>
+              <a:rPr lang="fr-FR" dirty="0"/>
+              <a:t>Créé en 1990</a:t>
+            </a:r>
+          </a:p>
+          <a:p>
+            <a:r>
+              <a:rPr lang="fr-FR" dirty="0"/>
+              <a:t>3 sites : Lille, Dax, Annecy</a:t>
+            </a:r>
+          </a:p>
+          <a:p>
+            <a:r>
+              <a:rPr lang="fr-FR" dirty="0"/>
+              <a:t>Maisons modulaires respectent la norme HQE</a:t>
+            </a:r>
+          </a:p>
+          <a:p>
             <a:endParaRPr lang="fr-FR" dirty="0"/>
           </a:p>
         </p:txBody>
@@ -5111,6 +5129,105 @@
 </file>
 
 <file path=ppt/notesSlides/notesSlide2.xml><?xml version="1.0" encoding="utf-8"?>
+<p:notes xmlns:a="http://schemas.openxmlformats.org/drawingml/2006/main" xmlns:r="http://schemas.openxmlformats.org/officeDocument/2006/relationships" xmlns:p="http://schemas.openxmlformats.org/presentationml/2006/main">
+  <p:cSld>
+    <p:spTree>
+      <p:nvGrpSpPr>
+        <p:cNvPr id="1" name=""/>
+        <p:cNvGrpSpPr/>
+        <p:nvPr/>
+      </p:nvGrpSpPr>
+      <p:grpSpPr>
+        <a:xfrm>
+          <a:off x="0" y="0"/>
+          <a:ext cx="0" cy="0"/>
+          <a:chOff x="0" y="0"/>
+          <a:chExt cx="0" cy="0"/>
+        </a:xfrm>
+      </p:grpSpPr>
+      <p:sp>
+        <p:nvSpPr>
+          <p:cNvPr id="2" name="Espace réservé de l'image des diapositives 1"/>
+          <p:cNvSpPr>
+            <a:spLocks noGrp="1" noRot="1" noChangeAspect="1"/>
+          </p:cNvSpPr>
+          <p:nvPr>
+            <p:ph type="sldImg"/>
+          </p:nvPr>
+        </p:nvSpPr>
+        <p:spPr/>
+      </p:sp>
+      <p:sp>
+        <p:nvSpPr>
+          <p:cNvPr id="3" name="Espace réservé des notes 2"/>
+          <p:cNvSpPr>
+            <a:spLocks noGrp="1"/>
+          </p:cNvSpPr>
+          <p:nvPr>
+            <p:ph type="body" idx="1"/>
+          </p:nvPr>
+        </p:nvSpPr>
+        <p:spPr/>
+        <p:txBody>
+          <a:bodyPr/>
+          <a:lstStyle/>
+          <a:p>
+            <a:r>
+              <a:rPr lang="fr-FR" dirty="0"/>
+              <a:t>CA actuel : 200 millions d’€</a:t>
+            </a:r>
+          </a:p>
+          <a:p>
+            <a:r>
+              <a:rPr lang="fr-FR" dirty="0"/>
+              <a:t>146 maisons modulaires vendues : 15% CA</a:t>
+            </a:r>
+          </a:p>
+          <a:p>
+            <a:r>
+              <a:rPr lang="fr-FR" dirty="0"/>
+              <a:t>Objectif de tripler les commandes</a:t>
+            </a:r>
+          </a:p>
+        </p:txBody>
+      </p:sp>
+      <p:sp>
+        <p:nvSpPr>
+          <p:cNvPr id="4" name="Espace réservé du numéro de diapositive 3"/>
+          <p:cNvSpPr>
+            <a:spLocks noGrp="1"/>
+          </p:cNvSpPr>
+          <p:nvPr>
+            <p:ph type="sldNum" sz="quarter" idx="5"/>
+          </p:nvPr>
+        </p:nvSpPr>
+        <p:spPr/>
+        <p:txBody>
+          <a:bodyPr/>
+          <a:lstStyle/>
+          <a:p>
+            <a:fld id="{4C7EF9AC-3BAF-43D8-A225-8BB59E7B2206}" type="slidenum">
+              <a:rPr lang="fr-FR" smtClean="0"/>
+              <a:t>5</a:t>
+            </a:fld>
+            <a:endParaRPr lang="fr-FR"/>
+          </a:p>
+        </p:txBody>
+      </p:sp>
+    </p:spTree>
+    <p:extLst>
+      <p:ext uri="{BB962C8B-B14F-4D97-AF65-F5344CB8AC3E}">
+        <p14:creationId xmlns:p14="http://schemas.microsoft.com/office/powerpoint/2010/main" val="2583490566"/>
+      </p:ext>
+    </p:extLst>
+  </p:cSld>
+  <p:clrMapOvr>
+    <a:masterClrMapping/>
+  </p:clrMapOvr>
+</p:notes>
+</file>
+
+<file path=ppt/notesSlides/notesSlide3.xml><?xml version="1.0" encoding="utf-8"?>
 <p:notes xmlns:a="http://schemas.openxmlformats.org/drawingml/2006/main" xmlns:r="http://schemas.openxmlformats.org/officeDocument/2006/relationships" xmlns:p="http://schemas.openxmlformats.org/presentationml/2006/main">
   <p:cSld>
     <p:spTree>
@@ -5929,7 +6046,7 @@
           <a:p>
             <a:fld id="{638941B0-F4D5-4460-BCAD-F7E2B41A8257}" type="datetimeFigureOut">
               <a:rPr lang="de-DE" smtClean="0"/>
-              <a:t>10.04.2019</a:t>
+              <a:t>11.04.2019</a:t>
             </a:fld>
             <a:endParaRPr lang="de-DE"/>
           </a:p>
@@ -6988,7 +7105,7 @@
                 </a:solidFill>
                 <a:latin typeface="Calibri"/>
               </a:rPr>
-              <a:t>10/04/2019</a:t>
+              <a:t>11/04/2019</a:t>
             </a:fld>
             <a:endParaRPr lang="fr-FR" sz="1200" b="0" strike="noStrike" spc="-1">
               <a:latin typeface="Times New Roman"/>
@@ -18651,12 +18768,12 @@
           <p:nvPr/>
         </p:nvPicPr>
         <p:blipFill>
-          <a:blip r:embed="rId2"/>
+          <a:blip r:embed="rId3"/>
           <a:stretch/>
         </p:blipFill>
         <p:spPr>
           <a:xfrm>
-            <a:off x="1440" y="-577080"/>
+            <a:off x="10965" y="-567555"/>
             <a:ext cx="12189960" cy="7551360"/>
           </a:xfrm>
           <a:prstGeom prst="rect">
@@ -18794,8 +18911,8 @@
           </p:nvSpPr>
           <p:spPr>
             <a:xfrm>
-              <a:off x="754484" y="2767514"/>
-              <a:ext cx="3308316" cy="2167200"/>
+              <a:off x="616268" y="3013913"/>
+              <a:ext cx="1740220" cy="1659969"/>
             </a:xfrm>
             <a:prstGeom prst="roundRect">
               <a:avLst>
@@ -18831,7 +18948,7 @@
                 </a:spcAft>
               </a:pPr>
               <a:r>
-                <a:rPr lang="fr-FR" sz="2400" b="1" strike="noStrike" spc="-1" dirty="0">
+                <a:rPr lang="fr-FR" sz="1600" b="1" strike="noStrike" spc="-1" dirty="0">
                   <a:solidFill>
                     <a:schemeClr val="tx1"/>
                   </a:solidFill>
@@ -18839,131 +18956,7 @@
                 </a:rPr>
                 <a:t>Augmentation du CA</a:t>
               </a:r>
-              <a:endParaRPr lang="fr-FR" sz="2400" b="1" strike="noStrike" spc="-1" dirty="0">
-                <a:solidFill>
-                  <a:schemeClr val="tx1"/>
-                </a:solidFill>
-                <a:latin typeface="Arial"/>
-              </a:endParaRPr>
-            </a:p>
-          </p:txBody>
-        </p:sp>
-        <p:sp>
-          <p:nvSpPr>
-            <p:cNvPr id="71" name="CustomShape 5"/>
-            <p:cNvSpPr/>
-            <p:nvPr/>
-          </p:nvSpPr>
-          <p:spPr>
-            <a:xfrm>
-              <a:off x="4210406" y="2767514"/>
-              <a:ext cx="3308317" cy="2167200"/>
-            </a:xfrm>
-            <a:prstGeom prst="roundRect">
-              <a:avLst>
-                <a:gd name="adj" fmla="val 16667"/>
-              </a:avLst>
-            </a:prstGeom>
-            <a:ln/>
-          </p:spPr>
-          <p:style>
-            <a:lnRef idx="0">
-              <a:schemeClr val="accent4"/>
-            </a:lnRef>
-            <a:fillRef idx="3">
-              <a:schemeClr val="accent4"/>
-            </a:fillRef>
-            <a:effectRef idx="3">
-              <a:schemeClr val="accent4"/>
-            </a:effectRef>
-            <a:fontRef idx="minor">
-              <a:schemeClr val="lt1"/>
-            </a:fontRef>
-          </p:style>
-          <p:txBody>
-            <a:bodyPr lIns="216360" tIns="216360" rIns="110520" bIns="216360" anchor="ctr"/>
-            <a:lstStyle/>
-            <a:p>
-              <a:pPr algn="ctr">
-                <a:lnSpc>
-                  <a:spcPct val="90000"/>
-                </a:lnSpc>
-                <a:spcAft>
-                  <a:spcPts val="1015"/>
-                </a:spcAft>
-              </a:pPr>
-              <a:r>
-                <a:rPr lang="fr-FR" sz="2400" b="1" strike="noStrike" spc="-1" dirty="0">
-                  <a:solidFill>
-                    <a:schemeClr val="tx1"/>
-                  </a:solidFill>
-                  <a:latin typeface="Calibri"/>
-                </a:rPr>
-                <a:t>Gagner des parts de marché sur les concurrents</a:t>
-              </a:r>
-              <a:endParaRPr lang="fr-FR" sz="2400" b="1" strike="noStrike" spc="-1" dirty="0">
-                <a:solidFill>
-                  <a:schemeClr val="tx1"/>
-                </a:solidFill>
-                <a:latin typeface="Arial"/>
-              </a:endParaRPr>
-            </a:p>
-          </p:txBody>
-        </p:sp>
-        <p:sp>
-          <p:nvSpPr>
-            <p:cNvPr id="72" name="CustomShape 6"/>
-            <p:cNvSpPr/>
-            <p:nvPr/>
-          </p:nvSpPr>
-          <p:spPr>
-            <a:xfrm>
-              <a:off x="7666329" y="2767514"/>
-              <a:ext cx="2652352" cy="2167200"/>
-            </a:xfrm>
-            <a:prstGeom prst="roundRect">
-              <a:avLst>
-                <a:gd name="adj" fmla="val 16667"/>
-              </a:avLst>
-            </a:prstGeom>
-            <a:ln/>
-          </p:spPr>
-          <p:style>
-            <a:lnRef idx="0">
-              <a:schemeClr val="accent4"/>
-            </a:lnRef>
-            <a:fillRef idx="3">
-              <a:schemeClr val="accent4"/>
-            </a:fillRef>
-            <a:effectRef idx="3">
-              <a:schemeClr val="accent4"/>
-            </a:effectRef>
-            <a:fontRef idx="minor">
-              <a:schemeClr val="lt1"/>
-            </a:fontRef>
-          </p:style>
-          <p:txBody>
-            <a:bodyPr lIns="216360" tIns="216360" rIns="110520" bIns="216360" anchor="ctr"/>
-            <a:lstStyle/>
-            <a:p>
-              <a:pPr algn="ctr">
-                <a:lnSpc>
-                  <a:spcPct val="90000"/>
-                </a:lnSpc>
-                <a:spcAft>
-                  <a:spcPts val="1015"/>
-                </a:spcAft>
-              </a:pPr>
-              <a:r>
-                <a:rPr lang="fr-FR" sz="2400" b="1" strike="noStrike" spc="-1" dirty="0">
-                  <a:solidFill>
-                    <a:schemeClr val="tx1"/>
-                  </a:solidFill>
-                  <a:latin typeface="Calibri"/>
-                </a:rPr>
-                <a:t>Augmenter sa notoriété</a:t>
-              </a:r>
-              <a:endParaRPr lang="fr-FR" sz="2400" b="1" strike="noStrike" spc="-1" dirty="0">
+              <a:endParaRPr lang="fr-FR" sz="1600" b="1" strike="noStrike" spc="-1" dirty="0">
                 <a:solidFill>
                   <a:schemeClr val="tx1"/>
                 </a:solidFill>
@@ -19024,6 +19017,278 @@
           </a:p>
         </p:txBody>
       </p:sp>
+      <p:sp>
+        <p:nvSpPr>
+          <p:cNvPr id="14" name="CustomShape 4">
+            <a:extLst>
+              <a:ext uri="{FF2B5EF4-FFF2-40B4-BE49-F238E27FC236}">
+                <a16:creationId xmlns:a16="http://schemas.microsoft.com/office/drawing/2014/main" id="{15512427-0B19-4DB5-ADB6-F8004C95961D}"/>
+              </a:ext>
+            </a:extLst>
+          </p:cNvPr>
+          <p:cNvSpPr/>
+          <p:nvPr/>
+        </p:nvSpPr>
+        <p:spPr>
+          <a:xfrm>
+            <a:off x="2680979" y="3141446"/>
+            <a:ext cx="1688206" cy="1405702"/>
+          </a:xfrm>
+          <a:prstGeom prst="roundRect">
+            <a:avLst>
+              <a:gd name="adj" fmla="val 16667"/>
+            </a:avLst>
+          </a:prstGeom>
+          <a:ln/>
+        </p:spPr>
+        <p:style>
+          <a:lnRef idx="0">
+            <a:schemeClr val="accent4"/>
+          </a:lnRef>
+          <a:fillRef idx="3">
+            <a:schemeClr val="accent4"/>
+          </a:fillRef>
+          <a:effectRef idx="3">
+            <a:schemeClr val="accent4"/>
+          </a:effectRef>
+          <a:fontRef idx="minor">
+            <a:schemeClr val="lt1"/>
+          </a:fontRef>
+        </p:style>
+        <p:txBody>
+          <a:bodyPr lIns="216360" tIns="216360" rIns="110520" bIns="216360" anchor="ctr"/>
+          <a:lstStyle/>
+          <a:p>
+            <a:pPr algn="ctr">
+              <a:lnSpc>
+                <a:spcPct val="90000"/>
+              </a:lnSpc>
+              <a:spcAft>
+                <a:spcPts val="1015"/>
+              </a:spcAft>
+            </a:pPr>
+            <a:r>
+              <a:rPr lang="fr-FR" sz="1600" b="1" strike="noStrike" spc="-1" dirty="0">
+                <a:solidFill>
+                  <a:schemeClr val="tx1"/>
+                </a:solidFill>
+                <a:latin typeface="Calibri"/>
+              </a:rPr>
+              <a:t>Gagner des parts de marché sur les concurrents</a:t>
+            </a:r>
+            <a:endParaRPr lang="fr-FR" sz="1600" b="1" strike="noStrike" spc="-1" dirty="0">
+              <a:solidFill>
+                <a:schemeClr val="tx1"/>
+              </a:solidFill>
+              <a:latin typeface="Arial"/>
+            </a:endParaRPr>
+          </a:p>
+        </p:txBody>
+      </p:sp>
+      <p:sp>
+        <p:nvSpPr>
+          <p:cNvPr id="15" name="CustomShape 4">
+            <a:extLst>
+              <a:ext uri="{FF2B5EF4-FFF2-40B4-BE49-F238E27FC236}">
+                <a16:creationId xmlns:a16="http://schemas.microsoft.com/office/drawing/2014/main" id="{8620CFB5-C96A-4183-8A24-937D5E3E87FD}"/>
+              </a:ext>
+            </a:extLst>
+          </p:cNvPr>
+          <p:cNvSpPr/>
+          <p:nvPr/>
+        </p:nvSpPr>
+        <p:spPr>
+          <a:xfrm>
+            <a:off x="4590492" y="3141446"/>
+            <a:ext cx="1688206" cy="1405702"/>
+          </a:xfrm>
+          <a:prstGeom prst="roundRect">
+            <a:avLst>
+              <a:gd name="adj" fmla="val 16667"/>
+            </a:avLst>
+          </a:prstGeom>
+          <a:ln/>
+        </p:spPr>
+        <p:style>
+          <a:lnRef idx="0">
+            <a:schemeClr val="accent4"/>
+          </a:lnRef>
+          <a:fillRef idx="3">
+            <a:schemeClr val="accent4"/>
+          </a:fillRef>
+          <a:effectRef idx="3">
+            <a:schemeClr val="accent4"/>
+          </a:effectRef>
+          <a:fontRef idx="minor">
+            <a:schemeClr val="lt1"/>
+          </a:fontRef>
+        </p:style>
+        <p:txBody>
+          <a:bodyPr lIns="216360" tIns="216360" rIns="110520" bIns="216360" anchor="ctr"/>
+          <a:lstStyle/>
+          <a:p>
+            <a:pPr algn="ctr">
+              <a:lnSpc>
+                <a:spcPct val="90000"/>
+              </a:lnSpc>
+              <a:spcAft>
+                <a:spcPts val="1015"/>
+              </a:spcAft>
+            </a:pPr>
+            <a:r>
+              <a:rPr lang="fr-FR" sz="1600" b="1" spc="-1" dirty="0">
+                <a:solidFill>
+                  <a:schemeClr val="tx1"/>
+                </a:solidFill>
+                <a:latin typeface="Calibri"/>
+              </a:rPr>
+              <a:t>Augmenter sa notoriété</a:t>
+            </a:r>
+            <a:endParaRPr lang="fr-FR" sz="1600" b="1" strike="noStrike" spc="-1" dirty="0">
+              <a:solidFill>
+                <a:schemeClr val="tx1"/>
+              </a:solidFill>
+              <a:latin typeface="Arial"/>
+            </a:endParaRPr>
+          </a:p>
+        </p:txBody>
+      </p:sp>
+      <p:sp>
+        <p:nvSpPr>
+          <p:cNvPr id="16" name="CustomShape 4">
+            <a:extLst>
+              <a:ext uri="{FF2B5EF4-FFF2-40B4-BE49-F238E27FC236}">
+                <a16:creationId xmlns:a16="http://schemas.microsoft.com/office/drawing/2014/main" id="{70005FE4-58D7-4BFA-B026-3AA7D92D9CF0}"/>
+              </a:ext>
+            </a:extLst>
+          </p:cNvPr>
+          <p:cNvSpPr/>
+          <p:nvPr/>
+        </p:nvSpPr>
+        <p:spPr>
+          <a:xfrm>
+            <a:off x="6468073" y="3141446"/>
+            <a:ext cx="1688206" cy="1405702"/>
+          </a:xfrm>
+          <a:prstGeom prst="roundRect">
+            <a:avLst>
+              <a:gd name="adj" fmla="val 16667"/>
+            </a:avLst>
+          </a:prstGeom>
+          <a:ln/>
+        </p:spPr>
+        <p:style>
+          <a:lnRef idx="0">
+            <a:schemeClr val="accent4"/>
+          </a:lnRef>
+          <a:fillRef idx="3">
+            <a:schemeClr val="accent4"/>
+          </a:fillRef>
+          <a:effectRef idx="3">
+            <a:schemeClr val="accent4"/>
+          </a:effectRef>
+          <a:fontRef idx="minor">
+            <a:schemeClr val="lt1"/>
+          </a:fontRef>
+        </p:style>
+        <p:txBody>
+          <a:bodyPr lIns="216360" tIns="216360" rIns="110520" bIns="216360" anchor="ctr"/>
+          <a:lstStyle/>
+          <a:p>
+            <a:pPr algn="ctr">
+              <a:lnSpc>
+                <a:spcPct val="90000"/>
+              </a:lnSpc>
+              <a:spcAft>
+                <a:spcPts val="1015"/>
+              </a:spcAft>
+            </a:pPr>
+            <a:r>
+              <a:rPr lang="fr-FR" sz="1600" b="1" strike="noStrike" spc="-1" dirty="0">
+                <a:solidFill>
+                  <a:schemeClr val="tx1"/>
+                </a:solidFill>
+                <a:latin typeface="Calibri"/>
+              </a:rPr>
+              <a:t>Anticiper les commandes de fournitures</a:t>
+            </a:r>
+            <a:endParaRPr lang="fr-FR" sz="1600" b="1" strike="noStrike" spc="-1" dirty="0">
+              <a:solidFill>
+                <a:schemeClr val="tx1"/>
+              </a:solidFill>
+              <a:latin typeface="Arial"/>
+            </a:endParaRPr>
+          </a:p>
+        </p:txBody>
+      </p:sp>
+      <p:sp>
+        <p:nvSpPr>
+          <p:cNvPr id="17" name="CustomShape 4">
+            <a:extLst>
+              <a:ext uri="{FF2B5EF4-FFF2-40B4-BE49-F238E27FC236}">
+                <a16:creationId xmlns:a16="http://schemas.microsoft.com/office/drawing/2014/main" id="{0E23F883-A98F-4B5D-BEE2-3E0FF253CA79}"/>
+              </a:ext>
+            </a:extLst>
+          </p:cNvPr>
+          <p:cNvSpPr/>
+          <p:nvPr/>
+        </p:nvSpPr>
+        <p:spPr>
+          <a:xfrm>
+            <a:off x="8345654" y="3141446"/>
+            <a:ext cx="1688206" cy="1405702"/>
+          </a:xfrm>
+          <a:prstGeom prst="roundRect">
+            <a:avLst>
+              <a:gd name="adj" fmla="val 16667"/>
+            </a:avLst>
+          </a:prstGeom>
+          <a:ln/>
+        </p:spPr>
+        <p:style>
+          <a:lnRef idx="0">
+            <a:schemeClr val="accent4"/>
+          </a:lnRef>
+          <a:fillRef idx="3">
+            <a:schemeClr val="accent4"/>
+          </a:fillRef>
+          <a:effectRef idx="3">
+            <a:schemeClr val="accent4"/>
+          </a:effectRef>
+          <a:fontRef idx="minor">
+            <a:schemeClr val="lt1"/>
+          </a:fontRef>
+        </p:style>
+        <p:txBody>
+          <a:bodyPr lIns="216360" tIns="216360" rIns="110520" bIns="216360" anchor="ctr"/>
+          <a:lstStyle/>
+          <a:p>
+            <a:pPr algn="ctr">
+              <a:lnSpc>
+                <a:spcPct val="90000"/>
+              </a:lnSpc>
+              <a:spcAft>
+                <a:spcPts val="1015"/>
+              </a:spcAft>
+            </a:pPr>
+            <a:r>
+              <a:rPr lang="fr-FR" sz="1600" b="1" strike="noStrike" spc="-1" dirty="0">
+                <a:solidFill>
+                  <a:schemeClr val="tx1"/>
+                </a:solidFill>
+                <a:latin typeface="Calibri"/>
+              </a:rPr>
+              <a:t>Gérer une volumétrie de commandes supérieure</a:t>
+            </a:r>
+            <a:endParaRPr lang="fr-FR" sz="1600" b="1" strike="noStrike" spc="-1" dirty="0">
+              <a:solidFill>
+                <a:schemeClr val="tx1"/>
+              </a:solidFill>
+              <a:latin typeface="Arial"/>
+            </a:endParaRPr>
+          </a:p>
+        </p:txBody>
+      </p:sp>
     </p:spTree>
   </p:cSld>
   <p:clrMapOvr>
@@ -19064,7 +19329,7 @@
         </p:blipFill>
         <p:spPr>
           <a:xfrm>
-            <a:off x="1440" y="-577080"/>
+            <a:off x="1440" y="-567555"/>
             <a:ext cx="12189960" cy="7551360"/>
           </a:xfrm>
           <a:prstGeom prst="rect">
@@ -20589,7 +20854,7 @@
         </p:blipFill>
         <p:spPr>
           <a:xfrm>
-            <a:off x="1440" y="-577080"/>
+            <a:off x="1440" y="-567555"/>
             <a:ext cx="12189960" cy="7551360"/>
           </a:xfrm>
           <a:prstGeom prst="rect">

--- a/Livrable1/Présentationpfr finalv2.pptx
+++ b/Livrable1/Présentationpfr finalv2.pptx
@@ -5228,6 +5228,114 @@
 </file>
 
 <file path=ppt/notesSlides/notesSlide3.xml><?xml version="1.0" encoding="utf-8"?>
+<p:notes xmlns:a="http://schemas.openxmlformats.org/drawingml/2006/main" xmlns:r="http://schemas.openxmlformats.org/officeDocument/2006/relationships" xmlns:p="http://schemas.openxmlformats.org/presentationml/2006/main">
+  <p:cSld>
+    <p:spTree>
+      <p:nvGrpSpPr>
+        <p:cNvPr id="1" name=""/>
+        <p:cNvGrpSpPr/>
+        <p:nvPr/>
+      </p:nvGrpSpPr>
+      <p:grpSpPr>
+        <a:xfrm>
+          <a:off x="0" y="0"/>
+          <a:ext cx="0" cy="0"/>
+          <a:chOff x="0" y="0"/>
+          <a:chExt cx="0" cy="0"/>
+        </a:xfrm>
+      </p:grpSpPr>
+      <p:sp>
+        <p:nvSpPr>
+          <p:cNvPr id="2" name="Espace réservé de l'image des diapositives 1"/>
+          <p:cNvSpPr>
+            <a:spLocks noGrp="1" noRot="1" noChangeAspect="1"/>
+          </p:cNvSpPr>
+          <p:nvPr>
+            <p:ph type="sldImg"/>
+          </p:nvPr>
+        </p:nvSpPr>
+        <p:spPr/>
+      </p:sp>
+      <p:sp>
+        <p:nvSpPr>
+          <p:cNvPr id="3" name="Espace réservé des notes 2"/>
+          <p:cNvSpPr>
+            <a:spLocks noGrp="1"/>
+          </p:cNvSpPr>
+          <p:nvPr>
+            <p:ph type="body" idx="1"/>
+          </p:nvPr>
+        </p:nvSpPr>
+        <p:spPr/>
+        <p:txBody>
+          <a:bodyPr/>
+          <a:lstStyle/>
+          <a:p>
+            <a:r>
+              <a:rPr lang="fr-FR" sz="1200" b="0" i="0" u="none" strike="noStrike" kern="1200" baseline="0" dirty="0">
+                <a:solidFill>
+                  <a:schemeClr val="tx1"/>
+                </a:solidFill>
+                <a:latin typeface="+mn-lt"/>
+                <a:ea typeface="+mn-ea"/>
+                <a:cs typeface="+mn-cs"/>
+              </a:rPr>
+              <a:t>Le client pourra voir les échelonnements des paiements et suivre l’état d’avancement du devis</a:t>
+            </a:r>
+          </a:p>
+          <a:p>
+            <a:r>
+              <a:rPr lang="fr-FR" sz="1200" b="0" i="0" u="none" strike="noStrike" kern="1200" baseline="0" dirty="0">
+                <a:solidFill>
+                  <a:schemeClr val="tx1"/>
+                </a:solidFill>
+                <a:latin typeface="+mn-lt"/>
+                <a:ea typeface="+mn-ea"/>
+                <a:cs typeface="+mn-cs"/>
+              </a:rPr>
+              <a:t>réalisé.</a:t>
+            </a:r>
+            <a:endParaRPr lang="fr-FR" dirty="0"/>
+          </a:p>
+        </p:txBody>
+      </p:sp>
+      <p:sp>
+        <p:nvSpPr>
+          <p:cNvPr id="4" name="Espace réservé du numéro de diapositive 3"/>
+          <p:cNvSpPr>
+            <a:spLocks noGrp="1"/>
+          </p:cNvSpPr>
+          <p:nvPr>
+            <p:ph type="sldNum" sz="quarter" idx="5"/>
+          </p:nvPr>
+        </p:nvSpPr>
+        <p:spPr/>
+        <p:txBody>
+          <a:bodyPr/>
+          <a:lstStyle/>
+          <a:p>
+            <a:fld id="{4C7EF9AC-3BAF-43D8-A225-8BB59E7B2206}" type="slidenum">
+              <a:rPr lang="fr-FR" smtClean="0"/>
+              <a:t>6</a:t>
+            </a:fld>
+            <a:endParaRPr lang="fr-FR"/>
+          </a:p>
+        </p:txBody>
+      </p:sp>
+    </p:spTree>
+    <p:extLst>
+      <p:ext uri="{BB962C8B-B14F-4D97-AF65-F5344CB8AC3E}">
+        <p14:creationId xmlns:p14="http://schemas.microsoft.com/office/powerpoint/2010/main" val="1339571851"/>
+      </p:ext>
+    </p:extLst>
+  </p:cSld>
+  <p:clrMapOvr>
+    <a:masterClrMapping/>
+  </p:clrMapOvr>
+</p:notes>
+</file>
+
+<file path=ppt/notesSlides/notesSlide4.xml><?xml version="1.0" encoding="utf-8"?>
 <p:notes xmlns:a="http://schemas.openxmlformats.org/drawingml/2006/main" xmlns:r="http://schemas.openxmlformats.org/officeDocument/2006/relationships" xmlns:p="http://schemas.openxmlformats.org/presentationml/2006/main">
   <p:cSld>
     <p:spTree>
@@ -19324,7 +19432,7 @@
           <p:nvPr/>
         </p:nvPicPr>
         <p:blipFill>
-          <a:blip r:embed="rId2"/>
+          <a:blip r:embed="rId3"/>
           <a:stretch/>
         </p:blipFill>
         <p:spPr>
@@ -19949,13 +20057,13 @@
           <p:nvPr/>
         </p:nvPicPr>
         <p:blipFill>
-          <a:blip r:embed="rId3">
+          <a:blip r:embed="rId4">
             <a:extLst>
               <a:ext uri="{28A0092B-C50C-407E-A947-70E740481C1C}">
                 <a14:useLocalDpi xmlns:a14="http://schemas.microsoft.com/office/drawing/2010/main" val="0"/>
               </a:ext>
               <a:ext uri="{96DAC541-7B7A-43D3-8B79-37D633B846F1}">
-                <asvg:svgBlip xmlns:asvg="http://schemas.microsoft.com/office/drawing/2016/SVG/main" r:embed="rId4"/>
+                <asvg:svgBlip xmlns:asvg="http://schemas.microsoft.com/office/drawing/2016/SVG/main" r:embed="rId5"/>
               </a:ext>
             </a:extLst>
           </a:blip>
@@ -19988,13 +20096,13 @@
           <p:nvPr/>
         </p:nvPicPr>
         <p:blipFill>
-          <a:blip r:embed="rId5">
+          <a:blip r:embed="rId6">
             <a:extLst>
               <a:ext uri="{28A0092B-C50C-407E-A947-70E740481C1C}">
                 <a14:useLocalDpi xmlns:a14="http://schemas.microsoft.com/office/drawing/2010/main" val="0"/>
               </a:ext>
               <a:ext uri="{96DAC541-7B7A-43D3-8B79-37D633B846F1}">
-                <asvg:svgBlip xmlns:asvg="http://schemas.microsoft.com/office/drawing/2016/SVG/main" r:embed="rId6"/>
+                <asvg:svgBlip xmlns:asvg="http://schemas.microsoft.com/office/drawing/2016/SVG/main" r:embed="rId7"/>
               </a:ext>
             </a:extLst>
           </a:blip>
@@ -20027,13 +20135,13 @@
           <p:nvPr/>
         </p:nvPicPr>
         <p:blipFill>
-          <a:blip r:embed="rId7">
+          <a:blip r:embed="rId8">
             <a:extLst>
               <a:ext uri="{28A0092B-C50C-407E-A947-70E740481C1C}">
                 <a14:useLocalDpi xmlns:a14="http://schemas.microsoft.com/office/drawing/2010/main" val="0"/>
               </a:ext>
               <a:ext uri="{96DAC541-7B7A-43D3-8B79-37D633B846F1}">
-                <asvg:svgBlip xmlns:asvg="http://schemas.microsoft.com/office/drawing/2016/SVG/main" r:embed="rId8"/>
+                <asvg:svgBlip xmlns:asvg="http://schemas.microsoft.com/office/drawing/2016/SVG/main" r:embed="rId9"/>
               </a:ext>
             </a:extLst>
           </a:blip>
@@ -20066,13 +20174,13 @@
           <p:nvPr/>
         </p:nvPicPr>
         <p:blipFill>
-          <a:blip r:embed="rId9">
+          <a:blip r:embed="rId10">
             <a:extLst>
               <a:ext uri="{28A0092B-C50C-407E-A947-70E740481C1C}">
                 <a14:useLocalDpi xmlns:a14="http://schemas.microsoft.com/office/drawing/2010/main" val="0"/>
               </a:ext>
               <a:ext uri="{96DAC541-7B7A-43D3-8B79-37D633B846F1}">
-                <asvg:svgBlip xmlns:asvg="http://schemas.microsoft.com/office/drawing/2016/SVG/main" r:embed="rId10"/>
+                <asvg:svgBlip xmlns:asvg="http://schemas.microsoft.com/office/drawing/2016/SVG/main" r:embed="rId11"/>
               </a:ext>
             </a:extLst>
           </a:blip>
@@ -20105,13 +20213,13 @@
           <p:nvPr/>
         </p:nvPicPr>
         <p:blipFill>
-          <a:blip r:embed="rId11">
+          <a:blip r:embed="rId12">
             <a:extLst>
               <a:ext uri="{28A0092B-C50C-407E-A947-70E740481C1C}">
                 <a14:useLocalDpi xmlns:a14="http://schemas.microsoft.com/office/drawing/2010/main" val="0"/>
               </a:ext>
               <a:ext uri="{96DAC541-7B7A-43D3-8B79-37D633B846F1}">
-                <asvg:svgBlip xmlns:asvg="http://schemas.microsoft.com/office/drawing/2016/SVG/main" r:embed="rId12"/>
+                <asvg:svgBlip xmlns:asvg="http://schemas.microsoft.com/office/drawing/2016/SVG/main" r:embed="rId13"/>
               </a:ext>
             </a:extLst>
           </a:blip>
